--- a/Big Data Management Presentation.pptx
+++ b/Big Data Management Presentation.pptx
@@ -21,8 +21,8 @@
     <p:sldId id="266" r:id="rId12"/>
     <p:sldId id="267" r:id="rId13"/>
     <p:sldId id="268" r:id="rId14"/>
-    <p:sldId id="269" r:id="rId15"/>
-    <p:sldId id="290" r:id="rId16"/>
+    <p:sldId id="290" r:id="rId15"/>
+    <p:sldId id="295" r:id="rId16"/>
     <p:sldId id="270" r:id="rId17"/>
     <p:sldId id="271" r:id="rId18"/>
     <p:sldId id="272" r:id="rId19"/>
@@ -234,7 +234,7 @@
           <a:p>
             <a:fld id="{41F83F84-6742-D245-A53C-514AF9C2DA7F}" type="datetimeFigureOut">
               <a:rPr lang="en-IT" smtClean="0"/>
-              <a:t>27/02/25</a:t>
+              <a:t>09/03/25</a:t>
             </a:fld>
             <a:endParaRPr lang="en-IT"/>
           </a:p>
@@ -1631,7 +1631,7 @@
           <a:p>
             <a:fld id="{3F892F31-9130-E34F-B6D4-DEAB4ECDF6D4}" type="datetime1">
               <a:rPr lang="it-IT" smtClean="0"/>
-              <a:t>27/02/25</a:t>
+              <a:t>09/03/25</a:t>
             </a:fld>
             <a:endParaRPr lang="en-IT"/>
           </a:p>
@@ -1849,7 +1849,7 @@
           <a:p>
             <a:fld id="{4D9A7422-E9A1-594A-82F3-6EB88C985CD7}" type="datetime1">
               <a:rPr lang="it-IT" smtClean="0"/>
-              <a:t>27/02/25</a:t>
+              <a:t>09/03/25</a:t>
             </a:fld>
             <a:endParaRPr lang="en-IT"/>
           </a:p>
@@ -2856,7 +2856,7 @@
           <a:p>
             <a:fld id="{1FE9E7B9-1220-6641-A994-4497087A3783}" type="datetime1">
               <a:rPr lang="it-IT" smtClean="0"/>
-              <a:t>27/02/25</a:t>
+              <a:t>09/03/25</a:t>
             </a:fld>
             <a:endParaRPr lang="en-IT"/>
           </a:p>
@@ -3132,7 +3132,7 @@
           <a:p>
             <a:fld id="{3377553C-94B7-D24E-923A-BA9AE59FCE8A}" type="datetime1">
               <a:rPr lang="it-IT" smtClean="0"/>
-              <a:t>27/02/25</a:t>
+              <a:t>09/03/25</a:t>
             </a:fld>
             <a:endParaRPr lang="en-IT"/>
           </a:p>
@@ -3555,7 +3555,7 @@
           <a:p>
             <a:fld id="{9C8BEB6A-3AFB-1646-BF58-80A6541BE0AC}" type="datetime1">
               <a:rPr lang="it-IT" smtClean="0"/>
-              <a:t>27/02/25</a:t>
+              <a:t>09/03/25</a:t>
             </a:fld>
             <a:endParaRPr lang="en-IT"/>
           </a:p>
@@ -3705,7 +3705,7 @@
           <a:p>
             <a:fld id="{9C9CC4DF-10FE-0D4A-A20E-934C67DC1822}" type="datetime1">
               <a:rPr lang="it-IT" smtClean="0"/>
-              <a:t>27/02/25</a:t>
+              <a:t>09/03/25</a:t>
             </a:fld>
             <a:endParaRPr lang="en-IT"/>
           </a:p>
@@ -3826,7 +3826,7 @@
           <a:p>
             <a:fld id="{D1E9D2AF-7CF9-F645-9276-75C958E794F5}" type="datetime1">
               <a:rPr lang="it-IT" smtClean="0"/>
-              <a:t>27/02/25</a:t>
+              <a:t>09/03/25</a:t>
             </a:fld>
             <a:endParaRPr lang="en-IT"/>
           </a:p>
@@ -4147,7 +4147,7 @@
           <a:p>
             <a:fld id="{80EB22C3-CA34-8442-820C-EB8C3146823C}" type="datetime1">
               <a:rPr lang="it-IT" smtClean="0"/>
-              <a:t>27/02/25</a:t>
+              <a:t>09/03/25</a:t>
             </a:fld>
             <a:endParaRPr lang="en-IT"/>
           </a:p>
@@ -4444,7 +4444,7 @@
           <a:p>
             <a:fld id="{59104247-3892-A248-BD2B-4848EC17B866}" type="datetime1">
               <a:rPr lang="it-IT" smtClean="0"/>
-              <a:t>27/02/25</a:t>
+              <a:t>09/03/25</a:t>
             </a:fld>
             <a:endParaRPr lang="en-IT"/>
           </a:p>
@@ -6064,7 +6064,7 @@
           <p:cNvPr id="2" name="Title 1">
             <a:extLst>
               <a:ext uri="{FF2B5EF4-FFF2-40B4-BE49-F238E27FC236}">
-                <a16:creationId xmlns:a16="http://schemas.microsoft.com/office/drawing/2014/main" id="{F55BC3FC-F328-7485-8614-9DDEC20CDE11}"/>
+                <a16:creationId xmlns:a16="http://schemas.microsoft.com/office/drawing/2014/main" id="{F0584426-E7D0-4598-C7D2-368818F07DD0}"/>
               </a:ext>
             </a:extLst>
           </p:cNvPr>
@@ -6082,8 +6082,71 @@
           <a:p>
             <a:r>
               <a:rPr lang="en-IT" dirty="0"/>
-              <a:t>How Redis Maintains Data (3)</a:t>
-            </a:r>
+              <a:t>How Redis Ensures Consistency (1)</a:t>
+            </a:r>
+          </a:p>
+        </p:txBody>
+      </p:sp>
+      <p:sp>
+        <p:nvSpPr>
+          <p:cNvPr id="3" name="Content Placeholder 2">
+            <a:extLst>
+              <a:ext uri="{FF2B5EF4-FFF2-40B4-BE49-F238E27FC236}">
+                <a16:creationId xmlns:a16="http://schemas.microsoft.com/office/drawing/2014/main" id="{3F9AA9C1-9F71-0B71-DC59-4CF04691FDE2}"/>
+              </a:ext>
+            </a:extLst>
+          </p:cNvPr>
+          <p:cNvSpPr>
+            <a:spLocks noGrp="1"/>
+          </p:cNvSpPr>
+          <p:nvPr>
+            <p:ph idx="1"/>
+          </p:nvPr>
+        </p:nvSpPr>
+        <p:spPr>
+          <a:xfrm>
+            <a:off x="331304" y="2221527"/>
+            <a:ext cx="8140033" cy="2414945"/>
+          </a:xfrm>
+        </p:spPr>
+        <p:txBody>
+          <a:bodyPr/>
+          <a:lstStyle/>
+          <a:p>
+            <a:pPr marL="0" indent="0">
+              <a:buNone/>
+            </a:pPr>
+            <a:r>
+              <a:rPr lang="en-IT" dirty="0"/>
+              <a:t>Consistency is ensured natively, since Redis is single-threaded and runs in the basic setting on only one server instance.</a:t>
+            </a:r>
+          </a:p>
+          <a:p>
+            <a:pPr marL="0" indent="0">
+              <a:buNone/>
+            </a:pPr>
+            <a:endParaRPr lang="en-IT" dirty="0"/>
+          </a:p>
+          <a:p>
+            <a:pPr marL="0" indent="0">
+              <a:buNone/>
+            </a:pPr>
+            <a:r>
+              <a:rPr lang="en-IT" dirty="0"/>
+              <a:t>Additionally, if we want to execute a sequence of commands without being interrupted by other clients’ executions, Redis supports MULTI commands.</a:t>
+            </a:r>
+          </a:p>
+          <a:p>
+            <a:pPr marL="0" indent="0">
+              <a:buNone/>
+            </a:pPr>
+            <a:endParaRPr lang="en-IT" dirty="0"/>
+          </a:p>
+          <a:p>
+            <a:pPr marL="0" indent="0">
+              <a:buNone/>
+            </a:pPr>
+            <a:endParaRPr lang="en-IT" dirty="0"/>
           </a:p>
         </p:txBody>
       </p:sp>
@@ -6092,7 +6155,7 @@
           <p:cNvPr id="4" name="Footer Placeholder 3">
             <a:extLst>
               <a:ext uri="{FF2B5EF4-FFF2-40B4-BE49-F238E27FC236}">
-                <a16:creationId xmlns:a16="http://schemas.microsoft.com/office/drawing/2014/main" id="{7DEEB78C-B517-7EC2-45B1-F4B0545D034F}"/>
+                <a16:creationId xmlns:a16="http://schemas.microsoft.com/office/drawing/2014/main" id="{EB7AE19E-2EA7-01F0-3FF4-28787CD64A1E}"/>
               </a:ext>
             </a:extLst>
           </p:cNvPr>
@@ -6121,7 +6184,7 @@
           <p:cNvPr id="5" name="Slide Number Placeholder 4">
             <a:extLst>
               <a:ext uri="{FF2B5EF4-FFF2-40B4-BE49-F238E27FC236}">
-                <a16:creationId xmlns:a16="http://schemas.microsoft.com/office/drawing/2014/main" id="{70C2C263-8B3E-DB8A-AC92-B171FEB29BA7}"/>
+                <a16:creationId xmlns:a16="http://schemas.microsoft.com/office/drawing/2014/main" id="{B74D8A40-A8FC-C6A2-97A0-7BF255F51046}"/>
               </a:ext>
             </a:extLst>
           </p:cNvPr>
@@ -6145,75 +6208,10 @@
           </a:p>
         </p:txBody>
       </p:sp>
-      <p:sp>
-        <p:nvSpPr>
-          <p:cNvPr id="9" name="Content Placeholder 2">
-            <a:extLst>
-              <a:ext uri="{FF2B5EF4-FFF2-40B4-BE49-F238E27FC236}">
-                <a16:creationId xmlns:a16="http://schemas.microsoft.com/office/drawing/2014/main" id="{19386AEA-B566-6040-75D0-F7E26E7DC8D4}"/>
-              </a:ext>
-            </a:extLst>
-          </p:cNvPr>
-          <p:cNvSpPr>
-            <a:spLocks noGrp="1"/>
-          </p:cNvSpPr>
-          <p:nvPr>
-            <p:ph idx="1"/>
-          </p:nvPr>
-        </p:nvSpPr>
-        <p:spPr>
-          <a:xfrm>
-            <a:off x="331304" y="2057703"/>
-            <a:ext cx="8826391" cy="3806649"/>
-          </a:xfrm>
-        </p:spPr>
-        <p:txBody>
-          <a:bodyPr>
-            <a:normAutofit/>
-          </a:bodyPr>
-          <a:lstStyle/>
-          <a:p>
-            <a:pPr marL="0" indent="0">
-              <a:buNone/>
-            </a:pPr>
-            <a:r>
-              <a:rPr lang="en-IT" dirty="0"/>
-              <a:t>In the basic setting, Redis runs on a single server with a single thread, hence it allows a good degree of consistency by exploiting the techniques of RDB and AOF.</a:t>
-            </a:r>
-          </a:p>
-          <a:p>
-            <a:pPr marL="0" indent="0">
-              <a:buNone/>
-            </a:pPr>
-            <a:endParaRPr lang="en-IT" dirty="0"/>
-          </a:p>
-          <a:p>
-            <a:pPr marL="0" indent="0">
-              <a:buNone/>
-            </a:pPr>
-            <a:r>
-              <a:rPr lang="en-IT" dirty="0"/>
-              <a:t>However, it is also possible to increase availability, losing some degree of consistency in a trade-off for availability (CAP theorem)</a:t>
-            </a:r>
-          </a:p>
-          <a:p>
-            <a:pPr marL="0" indent="0">
-              <a:buNone/>
-            </a:pPr>
-            <a:endParaRPr lang="en-IT" dirty="0"/>
-          </a:p>
-          <a:p>
-            <a:pPr marL="0" indent="0">
-              <a:buNone/>
-            </a:pPr>
-            <a:endParaRPr lang="en-IT" dirty="0"/>
-          </a:p>
-        </p:txBody>
-      </p:sp>
     </p:spTree>
     <p:extLst>
       <p:ext uri="{BB962C8B-B14F-4D97-AF65-F5344CB8AC3E}">
-        <p14:creationId xmlns:p14="http://schemas.microsoft.com/office/powerpoint/2010/main" val="3378401088"/>
+        <p14:creationId xmlns:p14="http://schemas.microsoft.com/office/powerpoint/2010/main" val="655757394"/>
       </p:ext>
     </p:extLst>
   </p:cSld>
@@ -6263,7 +6261,7 @@
           <a:p>
             <a:r>
               <a:rPr lang="en-IT" dirty="0"/>
-              <a:t>How Redis Ensures Consistency</a:t>
+              <a:t>How Redis Ensures Consistency (2)</a:t>
             </a:r>
           </a:p>
         </p:txBody>
@@ -6286,22 +6284,13 @@
         </p:nvSpPr>
         <p:spPr>
           <a:xfrm>
-            <a:off x="331304" y="1715621"/>
-            <a:ext cx="8140033" cy="4351338"/>
+            <a:off x="331304" y="2221527"/>
+            <a:ext cx="8140033" cy="2414945"/>
           </a:xfrm>
         </p:spPr>
         <p:txBody>
           <a:bodyPr/>
           <a:lstStyle/>
-          <a:p>
-            <a:pPr marL="0" indent="0">
-              <a:buNone/>
-            </a:pPr>
-            <a:r>
-              <a:rPr lang="en-IT" dirty="0"/>
-              <a:t>Consistency is ensured natively, since Redis is single-threaded and runs in the basic setting on only one server instance.</a:t>
-            </a:r>
-          </a:p>
           <a:p>
             <a:pPr marL="0" indent="0">
               <a:buNone/>
@@ -6323,20 +6312,8 @@
             </a:pPr>
             <a:r>
               <a:rPr lang="en-IT" dirty="0"/>
-              <a:t>Additionally, if we want to execute a sequence of commands without being interrupted by other clients’ executions, Redis supports transactions.</a:t>
-            </a:r>
-          </a:p>
-          <a:p>
-            <a:pPr marL="0" indent="0">
-              <a:buNone/>
-            </a:pPr>
-            <a:endParaRPr lang="en-IT" dirty="0"/>
-          </a:p>
-          <a:p>
-            <a:pPr marL="0" indent="0">
-              <a:buNone/>
-            </a:pPr>
-            <a:endParaRPr lang="en-IT" dirty="0"/>
+              <a:t>This is consistent with what we have observed with the CAP theorem.</a:t>
+            </a:r>
           </a:p>
         </p:txBody>
       </p:sp>
@@ -6401,7 +6378,7 @@
     </p:spTree>
     <p:extLst>
       <p:ext uri="{BB962C8B-B14F-4D97-AF65-F5344CB8AC3E}">
-        <p14:creationId xmlns:p14="http://schemas.microsoft.com/office/powerpoint/2010/main" val="655757394"/>
+        <p14:creationId xmlns:p14="http://schemas.microsoft.com/office/powerpoint/2010/main" val="2248657290"/>
       </p:ext>
     </p:extLst>
   </p:cSld>
@@ -11340,7 +11317,7 @@
             <p:ph idx="1"/>
             <p:extLst>
               <p:ext uri="{D42A27DB-BD31-4B8C-83A1-F6EECF244321}">
-                <p14:modId xmlns:p14="http://schemas.microsoft.com/office/powerpoint/2010/main" val="292933609"/>
+                <p14:modId xmlns:p14="http://schemas.microsoft.com/office/powerpoint/2010/main" val="374779718"/>
               </p:ext>
             </p:extLst>
           </p:nvPr>
@@ -11545,7 +11522,7 @@
                       <a:pPr algn="ctr"/>
                       <a:r>
                         <a:rPr lang="en-IT" dirty="0"/>
-                        <a:t>By default + transactions-like supported (multi-command ops)</a:t>
+                        <a:t>By default + multi commands</a:t>
                       </a:r>
                     </a:p>
                   </a:txBody>
